--- a/Aula_06_Plataformas_Digitais_Hipertextualidade_Multimídia_Mobilidade_e_Ubiquidade/Aula_06.pptx
+++ b/Aula_06_Plataformas_Digitais_Hipertextualidade_Multimídia_Mobilidade_e_Ubiquidade/Aula_06.pptx
@@ -3664,8 +3664,8 @@
         </p:nvSpPr>
         <p:spPr>
           <a:xfrm>
-            <a:off x="5529580" y="325755"/>
-            <a:ext cx="1134110" cy="368300"/>
+            <a:off x="4660900" y="334645"/>
+            <a:ext cx="2002790" cy="368300"/>
           </a:xfrm>
           <a:prstGeom prst="rect">
             <a:avLst/>
@@ -3696,7 +3696,7 @@
         <p:spPr>
           <a:xfrm>
             <a:off x="159385" y="868680"/>
-            <a:ext cx="11874500" cy="5354320"/>
+            <a:ext cx="11874500" cy="5077460"/>
           </a:xfrm>
           <a:prstGeom prst="rect">
             <a:avLst/>
@@ -3788,20 +3788,9 @@
             <a:endParaRPr lang="en-US"/>
           </a:p>
           <a:p>
-            <a:r>
-              <a:rPr lang="en-US"/>
-              <a:t>Como os frameworks e as bibliotecas auxiliam no desenvolvimento de software para plataformas digitais? </a:t>
-            </a:r>
-            <a:endParaRPr lang="en-US"/>
-          </a:p>
-          <a:p>
-            <a:endParaRPr lang="en-US"/>
-          </a:p>
-          <a:p>
-            <a:r>
-              <a:rPr lang="en-US"/>
-              <a:t>Pode dar um exemplo de um framework ou biblioteca comumente usado em uma linguagem de programação específica e explicar como ele é usado no desenvolvimento de plataformas digitais?</a:t>
-            </a:r>
+            <a:endParaRPr lang="en-US"/>
+          </a:p>
+          <a:p>
             <a:endParaRPr lang="en-US"/>
           </a:p>
         </p:txBody>
@@ -3867,8 +3856,8 @@
         </p:nvSpPr>
         <p:spPr>
           <a:xfrm>
-            <a:off x="5529580" y="325755"/>
-            <a:ext cx="1134110" cy="368300"/>
+            <a:off x="4391660" y="325755"/>
+            <a:ext cx="2272030" cy="368300"/>
           </a:xfrm>
           <a:prstGeom prst="rect">
             <a:avLst/>
@@ -4030,8 +4019,8 @@
         </p:nvSpPr>
         <p:spPr>
           <a:xfrm>
-            <a:off x="5529580" y="325755"/>
-            <a:ext cx="1134110" cy="368300"/>
+            <a:off x="4860290" y="325755"/>
+            <a:ext cx="1803400" cy="368300"/>
           </a:xfrm>
           <a:prstGeom prst="rect">
             <a:avLst/>
@@ -4062,7 +4051,7 @@
         <p:spPr>
           <a:xfrm>
             <a:off x="159385" y="868680"/>
-            <a:ext cx="11874500" cy="4799965"/>
+            <a:ext cx="11874500" cy="3969385"/>
           </a:xfrm>
           <a:prstGeom prst="rect">
             <a:avLst/>
@@ -4117,16 +4106,6 @@
             <a:r>
               <a:rPr lang="en-US"/>
               <a:t>Quais são alguns exemplos de plataformas digitais que utilizam Inteligência Artificial, Machine Learning ou Blockchain em suas operações?</a:t>
-            </a:r>
-            <a:endParaRPr lang="en-US"/>
-          </a:p>
-          <a:p>
-            <a:endParaRPr lang="en-US"/>
-          </a:p>
-          <a:p>
-            <a:r>
-              <a:rPr lang="en-US"/>
-              <a:t>Quais são os benefícios e desafios de integrar tecnologias emergentes, como Inteligência Artificial, Machine Learning e Blockchain, em plataformas digitais? </a:t>
             </a:r>
             <a:endParaRPr lang="en-US"/>
           </a:p>
@@ -4196,8 +4175,8 @@
         </p:nvSpPr>
         <p:spPr>
           <a:xfrm>
-            <a:off x="5529580" y="325755"/>
-            <a:ext cx="1134110" cy="368300"/>
+            <a:off x="4052570" y="325755"/>
+            <a:ext cx="2611120" cy="368300"/>
           </a:xfrm>
           <a:prstGeom prst="rect">
             <a:avLst/>
@@ -4329,8 +4308,8 @@
         </p:nvSpPr>
         <p:spPr>
           <a:xfrm>
-            <a:off x="5529580" y="325755"/>
-            <a:ext cx="1134110" cy="368300"/>
+            <a:off x="3409315" y="325755"/>
+            <a:ext cx="3254375" cy="368300"/>
           </a:xfrm>
           <a:prstGeom prst="rect">
             <a:avLst/>
@@ -4492,8 +4471,8 @@
         </p:nvSpPr>
         <p:spPr>
           <a:xfrm>
-            <a:off x="5529580" y="325755"/>
-            <a:ext cx="1134110" cy="368300"/>
+            <a:off x="3652520" y="325755"/>
+            <a:ext cx="3011170" cy="368300"/>
           </a:xfrm>
           <a:prstGeom prst="rect">
             <a:avLst/>
@@ -4524,7 +4503,7 @@
         <p:spPr>
           <a:xfrm>
             <a:off x="159385" y="868680"/>
-            <a:ext cx="11874500" cy="3692525"/>
+            <a:ext cx="11874500" cy="3969385"/>
           </a:xfrm>
           <a:prstGeom prst="rect">
             <a:avLst/>
@@ -5342,8 +5321,8 @@
         </p:blipFill>
         <p:spPr>
           <a:xfrm>
-            <a:off x="4147185" y="1898015"/>
-            <a:ext cx="3583940" cy="3950970"/>
+            <a:off x="3538220" y="2289175"/>
+            <a:ext cx="4192905" cy="3559810"/>
           </a:xfrm>
           <a:prstGeom prst="rect">
             <a:avLst/>
